--- a/MADCollective.pptx
+++ b/MADCollective.pptx
@@ -4580,6 +4580,174 @@
           <a:p>
             <a:fld id="{E0746DE6-3336-457D-A091-FA20AC1C536E}" type="slidenum">
               <a:rPr lang="en-US" smtClean="0"/>
+              <a:t>3</a:t>
+            </a:fld>
+            <a:endParaRPr lang="en-US"/>
+          </a:p>
+        </p:txBody>
+      </p:sp>
+    </p:spTree>
+    <p:extLst>
+      <p:ext uri="{BB962C8B-B14F-4D97-AF65-F5344CB8AC3E}">
+        <p14:creationId xmlns:p14="http://schemas.microsoft.com/office/powerpoint/2010/main" val="4194102773"/>
+      </p:ext>
+    </p:extLst>
+  </p:cSld>
+  <p:clrMapOvr>
+    <a:masterClrMapping/>
+  </p:clrMapOvr>
+</p:notes>
+</file>
+
+<file path=ppt/notesSlides/notesSlide2.xml><?xml version="1.0" encoding="utf-8"?>
+<p:notes xmlns:a="http://schemas.openxmlformats.org/drawingml/2006/main" xmlns:r="http://schemas.openxmlformats.org/officeDocument/2006/relationships" xmlns:p="http://schemas.openxmlformats.org/presentationml/2006/main">
+  <p:cSld>
+    <p:spTree>
+      <p:nvGrpSpPr>
+        <p:cNvPr id="1" name=""/>
+        <p:cNvGrpSpPr/>
+        <p:nvPr/>
+      </p:nvGrpSpPr>
+      <p:grpSpPr>
+        <a:xfrm>
+          <a:off x="0" y="0"/>
+          <a:ext cx="0" cy="0"/>
+          <a:chOff x="0" y="0"/>
+          <a:chExt cx="0" cy="0"/>
+        </a:xfrm>
+      </p:grpSpPr>
+      <p:sp>
+        <p:nvSpPr>
+          <p:cNvPr id="2" name="Slide Image Placeholder 1"/>
+          <p:cNvSpPr>
+            <a:spLocks noGrp="1" noRot="1" noChangeAspect="1"/>
+          </p:cNvSpPr>
+          <p:nvPr>
+            <p:ph type="sldImg"/>
+          </p:nvPr>
+        </p:nvSpPr>
+        <p:spPr/>
+      </p:sp>
+      <p:sp>
+        <p:nvSpPr>
+          <p:cNvPr id="3" name="Notes Placeholder 2"/>
+          <p:cNvSpPr>
+            <a:spLocks noGrp="1"/>
+          </p:cNvSpPr>
+          <p:nvPr>
+            <p:ph type="body" idx="1"/>
+          </p:nvPr>
+        </p:nvSpPr>
+        <p:spPr/>
+        <p:txBody>
+          <a:bodyPr/>
+          <a:lstStyle/>
+          <a:p>
+            <a:endParaRPr lang="en-US" dirty="0"/>
+          </a:p>
+        </p:txBody>
+      </p:sp>
+      <p:sp>
+        <p:nvSpPr>
+          <p:cNvPr id="4" name="Slide Number Placeholder 3"/>
+          <p:cNvSpPr>
+            <a:spLocks noGrp="1"/>
+          </p:cNvSpPr>
+          <p:nvPr>
+            <p:ph type="sldNum" sz="quarter" idx="5"/>
+          </p:nvPr>
+        </p:nvSpPr>
+        <p:spPr/>
+        <p:txBody>
+          <a:bodyPr/>
+          <a:lstStyle/>
+          <a:p>
+            <a:fld id="{E0746DE6-3336-457D-A091-FA20AC1C536E}" type="slidenum">
+              <a:rPr lang="en-US" smtClean="0"/>
+              <a:t>4</a:t>
+            </a:fld>
+            <a:endParaRPr lang="en-US"/>
+          </a:p>
+        </p:txBody>
+      </p:sp>
+    </p:spTree>
+    <p:extLst>
+      <p:ext uri="{BB962C8B-B14F-4D97-AF65-F5344CB8AC3E}">
+        <p14:creationId xmlns:p14="http://schemas.microsoft.com/office/powerpoint/2010/main" val="1551400674"/>
+      </p:ext>
+    </p:extLst>
+  </p:cSld>
+  <p:clrMapOvr>
+    <a:masterClrMapping/>
+  </p:clrMapOvr>
+</p:notes>
+</file>
+
+<file path=ppt/notesSlides/notesSlide3.xml><?xml version="1.0" encoding="utf-8"?>
+<p:notes xmlns:a="http://schemas.openxmlformats.org/drawingml/2006/main" xmlns:r="http://schemas.openxmlformats.org/officeDocument/2006/relationships" xmlns:p="http://schemas.openxmlformats.org/presentationml/2006/main">
+  <p:cSld>
+    <p:spTree>
+      <p:nvGrpSpPr>
+        <p:cNvPr id="1" name=""/>
+        <p:cNvGrpSpPr/>
+        <p:nvPr/>
+      </p:nvGrpSpPr>
+      <p:grpSpPr>
+        <a:xfrm>
+          <a:off x="0" y="0"/>
+          <a:ext cx="0" cy="0"/>
+          <a:chOff x="0" y="0"/>
+          <a:chExt cx="0" cy="0"/>
+        </a:xfrm>
+      </p:grpSpPr>
+      <p:sp>
+        <p:nvSpPr>
+          <p:cNvPr id="2" name="Slide Image Placeholder 1"/>
+          <p:cNvSpPr>
+            <a:spLocks noGrp="1" noRot="1" noChangeAspect="1"/>
+          </p:cNvSpPr>
+          <p:nvPr>
+            <p:ph type="sldImg"/>
+          </p:nvPr>
+        </p:nvSpPr>
+        <p:spPr/>
+      </p:sp>
+      <p:sp>
+        <p:nvSpPr>
+          <p:cNvPr id="3" name="Notes Placeholder 2"/>
+          <p:cNvSpPr>
+            <a:spLocks noGrp="1"/>
+          </p:cNvSpPr>
+          <p:nvPr>
+            <p:ph type="body" idx="1"/>
+          </p:nvPr>
+        </p:nvSpPr>
+        <p:spPr/>
+        <p:txBody>
+          <a:bodyPr/>
+          <a:lstStyle/>
+          <a:p>
+            <a:endParaRPr lang="en-US" dirty="0"/>
+          </a:p>
+        </p:txBody>
+      </p:sp>
+      <p:sp>
+        <p:nvSpPr>
+          <p:cNvPr id="4" name="Slide Number Placeholder 3"/>
+          <p:cNvSpPr>
+            <a:spLocks noGrp="1"/>
+          </p:cNvSpPr>
+          <p:nvPr>
+            <p:ph type="sldNum" sz="quarter" idx="5"/>
+          </p:nvPr>
+        </p:nvSpPr>
+        <p:spPr/>
+        <p:txBody>
+          <a:bodyPr/>
+          <a:lstStyle/>
+          <a:p>
+            <a:fld id="{E0746DE6-3336-457D-A091-FA20AC1C536E}" type="slidenum">
+              <a:rPr lang="en-US" smtClean="0"/>
               <a:t>7</a:t>
             </a:fld>
             <a:endParaRPr lang="en-US"/>
@@ -4599,7 +4767,7 @@
 </p:notes>
 </file>
 
-<file path=ppt/notesSlides/notesSlide2.xml><?xml version="1.0" encoding="utf-8"?>
+<file path=ppt/notesSlides/notesSlide4.xml><?xml version="1.0" encoding="utf-8"?>
 <p:notes xmlns:a="http://schemas.openxmlformats.org/drawingml/2006/main" xmlns:r="http://schemas.openxmlformats.org/officeDocument/2006/relationships" xmlns:p="http://schemas.openxmlformats.org/presentationml/2006/main">
   <p:cSld>
     <p:spTree>
@@ -9963,36 +10131,6 @@
           </a:ln>
         </p:spPr>
       </p:sp>
-      <p:pic>
-        <p:nvPicPr>
-          <p:cNvPr id="7" name="Picture 6" descr="A person with a beard&#10;&#10;Description automatically generated with low confidence">
-            <a:extLst>
-              <a:ext uri="{FF2B5EF4-FFF2-40B4-BE49-F238E27FC236}">
-                <a16:creationId xmlns:a16="http://schemas.microsoft.com/office/drawing/2014/main" id="{1A193C59-B0C8-AA58-C468-1AF31180F87A}"/>
-              </a:ext>
-            </a:extLst>
-          </p:cNvPr>
-          <p:cNvPicPr>
-            <a:picLocks noChangeAspect="1"/>
-          </p:cNvPicPr>
-          <p:nvPr/>
-        </p:nvPicPr>
-        <p:blipFill>
-          <a:blip r:embed="rId2"/>
-          <a:stretch>
-            <a:fillRect/>
-          </a:stretch>
-        </p:blipFill>
-        <p:spPr>
-          <a:xfrm>
-            <a:off x="852737" y="2286000"/>
-            <a:ext cx="2164271" cy="2157212"/>
-          </a:xfrm>
-          <a:prstGeom prst="rect">
-            <a:avLst/>
-          </a:prstGeom>
-        </p:spPr>
-      </p:pic>
       <p:sp>
         <p:nvSpPr>
           <p:cNvPr id="8" name="TextBox 7">
@@ -10007,8 +10145,8 @@
         </p:nvSpPr>
         <p:spPr>
           <a:xfrm>
-            <a:off x="412124" y="4601538"/>
-            <a:ext cx="3026535" cy="2308324"/>
+            <a:off x="265470" y="4601538"/>
+            <a:ext cx="3937820" cy="2062103"/>
           </a:xfrm>
           <a:prstGeom prst="rect">
             <a:avLst/>
@@ -10023,83 +10161,55 @@
           <a:p>
             <a:pPr algn="ctr"/>
             <a:r>
-              <a:rPr lang="en-US" dirty="0"/>
+              <a:rPr lang="en-US" sz="1600" dirty="0"/>
               <a:t>Micah Harder</a:t>
             </a:r>
           </a:p>
           <a:p>
-            <a:pPr algn="ctr"/>
-            <a:r>
-              <a:rPr lang="en-US" dirty="0">
-                <a:highlight>
-                  <a:srgbClr val="FFFF00"/>
-                </a:highlight>
-              </a:rPr>
-              <a:t>University of Florida</a:t>
-            </a:r>
-          </a:p>
-          <a:p>
-            <a:pPr algn="ctr"/>
-            <a:r>
-              <a:rPr lang="en-US" dirty="0">
-                <a:highlight>
-                  <a:srgbClr val="FFFF00"/>
-                </a:highlight>
-              </a:rPr>
-              <a:t>B.S.E.E.</a:t>
-            </a:r>
-          </a:p>
-          <a:p>
-            <a:pPr algn="ctr"/>
-            <a:endParaRPr lang="en-US" dirty="0">
-              <a:highlight>
-                <a:srgbClr val="FFFF00"/>
-              </a:highlight>
-            </a:endParaRPr>
-          </a:p>
-          <a:p>
-            <a:pPr algn="ctr"/>
-            <a:r>
-              <a:rPr lang="en-US" dirty="0">
-                <a:highlight>
-                  <a:srgbClr val="FFFF00"/>
-                </a:highlight>
-              </a:rPr>
-              <a:t>Originally interested in software engineering, when I relocated to Atlanta, I decided to restart my career.</a:t>
+            <a:pPr algn="ctr" rtl="0"/>
+            <a:r>
+              <a:rPr lang="en-US" sz="1600" dirty="0"/>
+              <a:t>University of Wisconsin </a:t>
+            </a:r>
+            <a:r>
+              <a:rPr lang="en-US" sz="1600" dirty="0" err="1"/>
+              <a:t>Eau</a:t>
+            </a:r>
+            <a:r>
+              <a:rPr lang="en-US" sz="1600" dirty="0"/>
+              <a:t> Claire</a:t>
+            </a:r>
+          </a:p>
+          <a:p>
+            <a:pPr algn="ctr" rtl="0"/>
+            <a:r>
+              <a:rPr lang="en-US" sz="1600" dirty="0"/>
+              <a:t> </a:t>
+            </a:r>
+          </a:p>
+          <a:p>
+            <a:pPr algn="ctr" rtl="0"/>
+            <a:r>
+              <a:rPr lang="en-US" sz="1600" dirty="0"/>
+              <a:t>    B.S. Biology, minor in medicine</a:t>
+            </a:r>
+          </a:p>
+          <a:p>
+            <a:pPr algn="ctr" rtl="0"/>
+            <a:r>
+              <a:rPr lang="en-US" sz="1600" dirty="0"/>
+              <a:t> </a:t>
+            </a:r>
+          </a:p>
+          <a:p>
+            <a:pPr algn="ctr" rtl="0"/>
+            <a:r>
+              <a:rPr lang="en-US" sz="1600" dirty="0"/>
+              <a:t>    After working in healthcare and transportation, I decided to pivot to software development.</a:t>
             </a:r>
           </a:p>
         </p:txBody>
       </p:sp>
-      <p:pic>
-        <p:nvPicPr>
-          <p:cNvPr id="10" name="Picture 9" descr="A person with a beard&#10;&#10;Description automatically generated with low confidence">
-            <a:extLst>
-              <a:ext uri="{FF2B5EF4-FFF2-40B4-BE49-F238E27FC236}">
-                <a16:creationId xmlns:a16="http://schemas.microsoft.com/office/drawing/2014/main" id="{750627AA-A54B-AF1D-AF41-95D9DFB7446B}"/>
-              </a:ext>
-            </a:extLst>
-          </p:cNvPr>
-          <p:cNvPicPr>
-            <a:picLocks noChangeAspect="1"/>
-          </p:cNvPicPr>
-          <p:nvPr/>
-        </p:nvPicPr>
-        <p:blipFill>
-          <a:blip r:embed="rId2"/>
-          <a:stretch>
-            <a:fillRect/>
-          </a:stretch>
-        </p:blipFill>
-        <p:spPr>
-          <a:xfrm>
-            <a:off x="5009100" y="2286000"/>
-            <a:ext cx="2164271" cy="2157212"/>
-          </a:xfrm>
-          <a:prstGeom prst="rect">
-            <a:avLst/>
-          </a:prstGeom>
-        </p:spPr>
-      </p:pic>
       <p:sp>
         <p:nvSpPr>
           <p:cNvPr id="12" name="TextBox 11">
@@ -10114,8 +10224,8 @@
         </p:nvSpPr>
         <p:spPr>
           <a:xfrm>
-            <a:off x="4568487" y="4601538"/>
-            <a:ext cx="3026535" cy="2308324"/>
+            <a:off x="4036142" y="4601538"/>
+            <a:ext cx="3937819" cy="2062103"/>
           </a:xfrm>
           <a:prstGeom prst="rect">
             <a:avLst/>
@@ -10130,49 +10240,41 @@
           <a:p>
             <a:pPr algn="ctr"/>
             <a:r>
-              <a:rPr lang="en-US" dirty="0"/>
+              <a:rPr lang="en-US" sz="1600" dirty="0"/>
               <a:t>Averi Bean</a:t>
             </a:r>
           </a:p>
           <a:p>
             <a:pPr algn="ctr"/>
             <a:r>
-              <a:rPr lang="en-US" dirty="0">
-                <a:highlight>
-                  <a:srgbClr val="FFFF00"/>
-                </a:highlight>
-              </a:rPr>
-              <a:t>University of Florida</a:t>
+              <a:rPr lang="en-US" sz="1600" dirty="0"/>
+              <a:t>Michigan State University</a:t>
             </a:r>
           </a:p>
           <a:p>
             <a:pPr algn="ctr"/>
-            <a:r>
-              <a:rPr lang="en-US" dirty="0">
-                <a:highlight>
-                  <a:srgbClr val="FFFF00"/>
-                </a:highlight>
-              </a:rPr>
-              <a:t>B.S.E.E.</a:t>
-            </a:r>
+            <a:endParaRPr lang="en-US" sz="1600" dirty="0"/>
           </a:p>
           <a:p>
             <a:pPr algn="ctr"/>
-            <a:endParaRPr lang="en-US" dirty="0">
-              <a:highlight>
-                <a:srgbClr val="FFFF00"/>
-              </a:highlight>
-            </a:endParaRPr>
-          </a:p>
-          <a:p>
-            <a:pPr algn="ctr"/>
-            <a:r>
-              <a:rPr lang="en-US" dirty="0">
-                <a:highlight>
-                  <a:srgbClr val="FFFF00"/>
-                </a:highlight>
-              </a:rPr>
-              <a:t>Originally interested in software engineering, when I relocated to Atlanta, I decided to restart my career.</a:t>
+            <a:r>
+              <a:rPr lang="en-US" sz="1600" dirty="0"/>
+              <a:t>B.S. Environmental Geo-Science</a:t>
+            </a:r>
+          </a:p>
+          <a:p>
+            <a:pPr lvl="1" algn="ctr">
+              <a:buSzPct val="75000"/>
+            </a:pPr>
+            <a:endParaRPr lang="en-US" sz="1600" dirty="0"/>
+          </a:p>
+          <a:p>
+            <a:pPr lvl="1" algn="ctr">
+              <a:buSzPct val="75000"/>
+            </a:pPr>
+            <a:r>
+              <a:rPr lang="en-US" sz="1600" dirty="0"/>
+              <a:t>I was able to try coding at the end of my college career, and decide to pivot into software development</a:t>
             </a:r>
           </a:p>
         </p:txBody>
@@ -10192,15 +10294,15 @@
           <p:nvPr/>
         </p:nvPicPr>
         <p:blipFill>
-          <a:blip r:embed="rId2"/>
+          <a:blip r:embed="rId3"/>
           <a:stretch>
             <a:fillRect/>
           </a:stretch>
         </p:blipFill>
         <p:spPr>
           <a:xfrm>
-            <a:off x="9079375" y="2286000"/>
-            <a:ext cx="2164271" cy="2157212"/>
+            <a:off x="9082541" y="2316592"/>
+            <a:ext cx="2138975" cy="2131998"/>
           </a:xfrm>
           <a:prstGeom prst="rect">
             <a:avLst/>
@@ -10221,8 +10323,8 @@
         </p:nvSpPr>
         <p:spPr>
           <a:xfrm>
-            <a:off x="8638762" y="4601538"/>
-            <a:ext cx="3026535" cy="2308324"/>
+            <a:off x="8440994" y="4601538"/>
+            <a:ext cx="3397045" cy="2308324"/>
           </a:xfrm>
           <a:prstGeom prst="rect">
             <a:avLst/>
@@ -10237,37 +10339,101 @@
           <a:p>
             <a:pPr algn="ctr"/>
             <a:r>
-              <a:rPr lang="en-US" dirty="0"/>
+              <a:rPr lang="en-US" sz="1600" dirty="0"/>
               <a:t>Dwight C Kornbluth II</a:t>
             </a:r>
           </a:p>
           <a:p>
             <a:pPr algn="ctr"/>
             <a:r>
-              <a:rPr lang="en-US" dirty="0"/>
+              <a:rPr lang="en-US" sz="1600" dirty="0"/>
               <a:t>University of Florida</a:t>
             </a:r>
           </a:p>
           <a:p>
             <a:pPr algn="ctr"/>
-            <a:r>
-              <a:rPr lang="en-US" dirty="0"/>
-              <a:t>B.S.E.E.</a:t>
-            </a:r>
+            <a:endParaRPr lang="en-US" sz="1600" dirty="0"/>
           </a:p>
           <a:p>
             <a:pPr algn="ctr"/>
-            <a:endParaRPr lang="en-US" dirty="0"/>
+            <a:r>
+              <a:rPr lang="en-US" sz="1600" dirty="0"/>
+              <a:t>B.S. Electrical Engineering</a:t>
+            </a:r>
           </a:p>
           <a:p>
             <a:pPr algn="ctr"/>
-            <a:r>
-              <a:rPr lang="en-US" dirty="0"/>
-              <a:t>Originally interested in software engineering, when I relocated to Atlanta, I decided to restart my career.</a:t>
+            <a:endParaRPr lang="en-US" sz="1600" dirty="0"/>
+          </a:p>
+          <a:p>
+            <a:pPr algn="ctr"/>
+            <a:r>
+              <a:rPr lang="en-US" sz="1600" dirty="0"/>
+              <a:t>Originally interested in software engineering, when I relocated to Atlanta, I decided to restart my career in the field.</a:t>
             </a:r>
           </a:p>
         </p:txBody>
       </p:sp>
+      <p:pic>
+        <p:nvPicPr>
+          <p:cNvPr id="4" name="Picture 3" descr="A person smiling for the camera&#10;&#10;Description automatically generated with medium confidence">
+            <a:extLst>
+              <a:ext uri="{FF2B5EF4-FFF2-40B4-BE49-F238E27FC236}">
+                <a16:creationId xmlns:a16="http://schemas.microsoft.com/office/drawing/2014/main" id="{97E4B730-1D60-2F41-75B2-FB58D4C6D1B4}"/>
+              </a:ext>
+            </a:extLst>
+          </p:cNvPr>
+          <p:cNvPicPr>
+            <a:picLocks noChangeAspect="1"/>
+          </p:cNvPicPr>
+          <p:nvPr/>
+        </p:nvPicPr>
+        <p:blipFill>
+          <a:blip r:embed="rId4"/>
+          <a:stretch>
+            <a:fillRect/>
+          </a:stretch>
+        </p:blipFill>
+        <p:spPr>
+          <a:xfrm>
+            <a:off x="5093109" y="2316592"/>
+            <a:ext cx="1823884" cy="2136321"/>
+          </a:xfrm>
+          <a:prstGeom prst="rect">
+            <a:avLst/>
+          </a:prstGeom>
+        </p:spPr>
+      </p:pic>
+      <p:pic>
+        <p:nvPicPr>
+          <p:cNvPr id="6" name="Picture 5" descr="A person smiling for the camera&#10;&#10;Description automatically generated with medium confidence">
+            <a:extLst>
+              <a:ext uri="{FF2B5EF4-FFF2-40B4-BE49-F238E27FC236}">
+                <a16:creationId xmlns:a16="http://schemas.microsoft.com/office/drawing/2014/main" id="{46144A14-E36A-EF74-5188-49B2454309B2}"/>
+              </a:ext>
+            </a:extLst>
+          </p:cNvPr>
+          <p:cNvPicPr>
+            <a:picLocks noChangeAspect="1"/>
+          </p:cNvPicPr>
+          <p:nvPr/>
+        </p:nvPicPr>
+        <p:blipFill>
+          <a:blip r:embed="rId5"/>
+          <a:stretch>
+            <a:fillRect/>
+          </a:stretch>
+        </p:blipFill>
+        <p:spPr>
+          <a:xfrm>
+            <a:off x="1464085" y="2273762"/>
+            <a:ext cx="1604501" cy="2139335"/>
+          </a:xfrm>
+          <a:prstGeom prst="rect">
+            <a:avLst/>
+          </a:prstGeom>
+        </p:spPr>
+      </p:pic>
     </p:spTree>
     <p:extLst>
       <p:ext uri="{BB962C8B-B14F-4D97-AF65-F5344CB8AC3E}">
@@ -10769,7 +10935,7 @@
         <p:spPr>
           <a:xfrm>
             <a:off x="960119" y="2942252"/>
-            <a:ext cx="10266681" cy="3172409"/>
+            <a:ext cx="5224371" cy="2239169"/>
           </a:xfrm>
         </p:spPr>
         <p:txBody>
@@ -10778,10 +10944,71 @@
           </a:bodyPr>
           <a:lstStyle/>
           <a:p>
+            <a:pPr>
+              <a:buSzPct val="75000"/>
+              <a:buFont typeface="Wingdings" panose="05000000000000000000" pitchFamily="2" charset="2"/>
+              <a:buChar char="q"/>
+            </a:pPr>
+            <a:r>
+              <a:rPr lang="en-US" dirty="0"/>
+              <a:t>Collection site with more than one category</a:t>
+            </a:r>
+          </a:p>
+          <a:p>
+            <a:pPr>
+              <a:buSzPct val="75000"/>
+              <a:buFont typeface="Wingdings" panose="05000000000000000000" pitchFamily="2" charset="2"/>
+              <a:buChar char="q"/>
+            </a:pPr>
+            <a:r>
+              <a:rPr lang="en-US" dirty="0"/>
+              <a:t>Allows onsite, negotiations, trades and sales for items if allowed by owner</a:t>
+            </a:r>
+          </a:p>
+          <a:p>
+            <a:pPr>
+              <a:buSzPct val="75000"/>
+              <a:buFont typeface="Wingdings" panose="05000000000000000000" pitchFamily="2" charset="2"/>
+              <a:buChar char="q"/>
+            </a:pPr>
+            <a:r>
+              <a:rPr lang="en-US" dirty="0"/>
+              <a:t>Developed to be a social site allowing users to interact with each other.</a:t>
+            </a:r>
             <a:endParaRPr dirty="0"/>
           </a:p>
         </p:txBody>
       </p:sp>
+      <p:pic>
+        <p:nvPicPr>
+          <p:cNvPr id="5" name="Picture 4" descr="Graphical user interface&#10;&#10;Description automatically generated">
+            <a:extLst>
+              <a:ext uri="{FF2B5EF4-FFF2-40B4-BE49-F238E27FC236}">
+                <a16:creationId xmlns:a16="http://schemas.microsoft.com/office/drawing/2014/main" id="{A686F383-92C7-BF3A-DE20-5DEEF2283251}"/>
+              </a:ext>
+            </a:extLst>
+          </p:cNvPr>
+          <p:cNvPicPr>
+            <a:picLocks noChangeAspect="1"/>
+          </p:cNvPicPr>
+          <p:nvPr/>
+        </p:nvPicPr>
+        <p:blipFill>
+          <a:blip r:embed="rId3"/>
+          <a:stretch>
+            <a:fillRect/>
+          </a:stretch>
+        </p:blipFill>
+        <p:spPr>
+          <a:xfrm>
+            <a:off x="6912092" y="2498094"/>
+            <a:ext cx="4676833" cy="4060723"/>
+          </a:xfrm>
+          <a:prstGeom prst="rect">
+            <a:avLst/>
+          </a:prstGeom>
+        </p:spPr>
+      </p:pic>
     </p:spTree>
     <p:extLst>
       <p:ext uri="{BB962C8B-B14F-4D97-AF65-F5344CB8AC3E}">
@@ -11303,7 +11530,7 @@
             </a:pPr>
             <a:r>
               <a:rPr lang="en-US" dirty="0"/>
-              <a:t>JSW</a:t>
+              <a:t>HTML/CSS/JSX</a:t>
             </a:r>
           </a:p>
           <a:p>
@@ -11336,7 +11563,7 @@
             </a:pPr>
             <a:r>
               <a:rPr lang="en-US" dirty="0"/>
-              <a:t>Stripe-UI</a:t>
+              <a:t>Font-Awesome</a:t>
             </a:r>
           </a:p>
         </p:txBody>
@@ -11356,7 +11583,7 @@
         <p:spPr>
           <a:xfrm>
             <a:off x="4582731" y="3427095"/>
-            <a:ext cx="3026535" cy="2308324"/>
+            <a:ext cx="3026535" cy="2862322"/>
           </a:xfrm>
           <a:prstGeom prst="rect">
             <a:avLst/>
@@ -11451,12 +11678,23 @@
               <a:buChar char="q"/>
             </a:pPr>
             <a:r>
+              <a:rPr lang="en-US" dirty="0"/>
+              <a:t>GitHub</a:t>
+            </a:r>
+          </a:p>
+          <a:p>
+            <a:pPr marL="742950" lvl="1" indent="-285750">
+              <a:buSzPct val="75000"/>
+              <a:buFont typeface="Wingdings" panose="05000000000000000000" pitchFamily="2" charset="2"/>
+              <a:buChar char="q"/>
+            </a:pPr>
+            <a:r>
               <a:rPr lang="en-US" dirty="0" err="1"/>
               <a:t>Corbos</a:t>
             </a:r>
             <a:r>
               <a:rPr lang="en-US" dirty="0"/>
-              <a:t>/Dillon-Tuck</a:t>
+              <a:t>/Dillon-Tuck/James</a:t>
             </a:r>
           </a:p>
         </p:txBody>
@@ -11476,7 +11714,7 @@
         <p:spPr>
           <a:xfrm>
             <a:off x="8753338" y="3427095"/>
-            <a:ext cx="3026535" cy="2031325"/>
+            <a:ext cx="3026535" cy="2308324"/>
           </a:xfrm>
           <a:prstGeom prst="rect">
             <a:avLst/>
@@ -11510,6 +11748,40 @@
             </a:r>
           </a:p>
           <a:p>
+            <a:pPr marL="1200150" lvl="2" indent="-285750">
+              <a:buSzPct val="75000"/>
+              <a:buFont typeface="Wingdings" panose="05000000000000000000" pitchFamily="2" charset="2"/>
+              <a:buChar char="q"/>
+            </a:pPr>
+            <a:r>
+              <a:rPr lang="en-US" dirty="0"/>
+              <a:t>Maven</a:t>
+            </a:r>
+          </a:p>
+          <a:p>
+            <a:pPr marL="1200150" lvl="2" indent="-285750">
+              <a:buSzPct val="75000"/>
+              <a:buFont typeface="Wingdings" panose="05000000000000000000" pitchFamily="2" charset="2"/>
+              <a:buChar char="q"/>
+            </a:pPr>
+            <a:r>
+              <a:rPr lang="en-US" dirty="0" err="1"/>
+              <a:t>SpringBoot</a:t>
+            </a:r>
+            <a:endParaRPr lang="en-US" dirty="0"/>
+          </a:p>
+          <a:p>
+            <a:pPr marL="1200150" lvl="2" indent="-285750">
+              <a:buSzPct val="75000"/>
+              <a:buFont typeface="Wingdings" panose="05000000000000000000" pitchFamily="2" charset="2"/>
+              <a:buChar char="q"/>
+            </a:pPr>
+            <a:r>
+              <a:rPr lang="en-US" dirty="0"/>
+              <a:t>JUnit</a:t>
+            </a:r>
+          </a:p>
+          <a:p>
             <a:pPr marL="742950" lvl="1" indent="-285750">
               <a:buSzPct val="75000"/>
               <a:buFont typeface="Wingdings" panose="05000000000000000000" pitchFamily="2" charset="2"/>
@@ -11541,25 +11813,6 @@
               <a:rPr lang="en-US" dirty="0" err="1"/>
               <a:t>TomCat</a:t>
             </a:r>
-            <a:endParaRPr lang="en-US" dirty="0"/>
-          </a:p>
-          <a:p>
-            <a:pPr marL="742950" lvl="1" indent="-285750">
-              <a:buSzPct val="75000"/>
-              <a:buFont typeface="Wingdings" panose="05000000000000000000" pitchFamily="2" charset="2"/>
-              <a:buChar char="q"/>
-            </a:pPr>
-            <a:r>
-              <a:rPr lang="en-US" dirty="0"/>
-              <a:t>Stripe-API</a:t>
-            </a:r>
-          </a:p>
-          <a:p>
-            <a:pPr marL="742950" lvl="1" indent="-285750">
-              <a:buSzPct val="75000"/>
-              <a:buFont typeface="Wingdings" panose="05000000000000000000" pitchFamily="2" charset="2"/>
-              <a:buChar char="q"/>
-            </a:pPr>
             <a:endParaRPr lang="en-US" dirty="0"/>
           </a:p>
         </p:txBody>
@@ -12096,8 +12349,8 @@
         </p:nvSpPr>
         <p:spPr>
           <a:xfrm>
-            <a:off x="412124" y="2720100"/>
-            <a:ext cx="3026535" cy="2862322"/>
+            <a:off x="879157" y="2720100"/>
+            <a:ext cx="3026535" cy="2585323"/>
           </a:xfrm>
           <a:prstGeom prst="rect">
             <a:avLst/>
@@ -12126,12 +12379,8 @@
               <a:buChar char="q"/>
             </a:pPr>
             <a:r>
-              <a:rPr lang="en-US" dirty="0">
-                <a:highlight>
-                  <a:srgbClr val="FFFF00"/>
-                </a:highlight>
-              </a:rPr>
-              <a:t>University of Florida</a:t>
+              <a:rPr lang="en-US" dirty="0"/>
+              <a:t>Implemented image functionality</a:t>
             </a:r>
           </a:p>
           <a:p>
@@ -12141,13 +12390,14 @@
               <a:buChar char="q"/>
             </a:pPr>
             <a:r>
-              <a:rPr lang="en-US" dirty="0">
-                <a:highlight>
-                  <a:srgbClr val="FFFF00"/>
-                </a:highlight>
-              </a:rPr>
-              <a:t>B.S.E.E.</a:t>
-            </a:r>
+              <a:rPr lang="en-US" dirty="0"/>
+              <a:t>Images are stored as </a:t>
+            </a:r>
+            <a:r>
+              <a:rPr lang="en-US" dirty="0" err="1"/>
+              <a:t>dataUrL</a:t>
+            </a:r>
+            <a:endParaRPr lang="en-US" dirty="0"/>
           </a:p>
           <a:p>
             <a:pPr marL="742950" lvl="1" indent="-285750">
@@ -12155,11 +12405,10 @@
               <a:buFont typeface="Wingdings" panose="05000000000000000000" pitchFamily="2" charset="2"/>
               <a:buChar char="q"/>
             </a:pPr>
-            <a:endParaRPr lang="en-US" dirty="0">
-              <a:highlight>
-                <a:srgbClr val="FFFF00"/>
-              </a:highlight>
-            </a:endParaRPr>
+            <a:r>
+              <a:rPr lang="en-US" dirty="0"/>
+              <a:t>Contributed to front end components</a:t>
+            </a:r>
           </a:p>
           <a:p>
             <a:pPr marL="742950" lvl="1" indent="-285750">
@@ -12168,12 +12417,8 @@
               <a:buChar char="q"/>
             </a:pPr>
             <a:r>
-              <a:rPr lang="en-US" dirty="0">
-                <a:highlight>
-                  <a:srgbClr val="FFFF00"/>
-                </a:highlight>
-              </a:rPr>
-              <a:t>Originally interested in software engineering, when I relocated to Atlanta, I decided to restart my career.</a:t>
+              <a:rPr lang="en-US" dirty="0"/>
+              <a:t>Wrote SQL DDL and DML</a:t>
             </a:r>
           </a:p>
         </p:txBody>
@@ -12193,7 +12438,7 @@
         <p:spPr>
           <a:xfrm>
             <a:off x="4568487" y="2720100"/>
-            <a:ext cx="3026535" cy="2862322"/>
+            <a:ext cx="3026535" cy="1754326"/>
           </a:xfrm>
           <a:prstGeom prst="rect">
             <a:avLst/>
@@ -12222,12 +12467,8 @@
               <a:buChar char="q"/>
             </a:pPr>
             <a:r>
-              <a:rPr lang="en-US" dirty="0">
-                <a:highlight>
-                  <a:srgbClr val="FFFF00"/>
-                </a:highlight>
-              </a:rPr>
-              <a:t>University of Florida</a:t>
+              <a:rPr lang="en-US" dirty="0"/>
+              <a:t>Implemented Back-End Security</a:t>
             </a:r>
           </a:p>
           <a:p>
@@ -12237,12 +12478,8 @@
               <a:buChar char="q"/>
             </a:pPr>
             <a:r>
-              <a:rPr lang="en-US" dirty="0">
-                <a:highlight>
-                  <a:srgbClr val="FFFF00"/>
-                </a:highlight>
-              </a:rPr>
-              <a:t>B.S.E.E.</a:t>
+              <a:rPr lang="en-US" dirty="0"/>
+              <a:t>Extended User Profile</a:t>
             </a:r>
           </a:p>
           <a:p>
@@ -12251,25 +12488,9 @@
               <a:buFont typeface="Wingdings" panose="05000000000000000000" pitchFamily="2" charset="2"/>
               <a:buChar char="q"/>
             </a:pPr>
-            <a:endParaRPr lang="en-US" dirty="0">
-              <a:highlight>
-                <a:srgbClr val="FFFF00"/>
-              </a:highlight>
-            </a:endParaRPr>
-          </a:p>
-          <a:p>
-            <a:pPr marL="742950" lvl="1" indent="-285750">
-              <a:buSzPct val="75000"/>
-              <a:buFont typeface="Wingdings" panose="05000000000000000000" pitchFamily="2" charset="2"/>
-              <a:buChar char="q"/>
-            </a:pPr>
-            <a:r>
-              <a:rPr lang="en-US" dirty="0">
-                <a:highlight>
-                  <a:srgbClr val="FFFF00"/>
-                </a:highlight>
-              </a:rPr>
-              <a:t>Originally interested in software engineering, when I relocated to Atlanta, I decided to restart my career.</a:t>
+            <a:r>
+              <a:rPr lang="en-US" dirty="0"/>
+              <a:t>Authenticated CRUD for User Profile</a:t>
             </a:r>
           </a:p>
         </p:txBody>
@@ -12288,8 +12509,8 @@
         </p:nvSpPr>
         <p:spPr>
           <a:xfrm>
-            <a:off x="8638762" y="2720100"/>
-            <a:ext cx="3026535" cy="2308324"/>
+            <a:off x="8186478" y="2720100"/>
+            <a:ext cx="3026535" cy="2031325"/>
           </a:xfrm>
           <a:prstGeom prst="rect">
             <a:avLst/>
@@ -12319,7 +12540,7 @@
             </a:pPr>
             <a:r>
               <a:rPr lang="en-US" dirty="0"/>
-              <a:t>Responsiveness</a:t>
+              <a:t>Overall UI</a:t>
             </a:r>
           </a:p>
           <a:p>
@@ -12330,7 +12551,7 @@
             </a:pPr>
             <a:r>
               <a:rPr lang="en-US" dirty="0"/>
-              <a:t>Sidebar: Category Filter</a:t>
+              <a:t>Responsiveness</a:t>
             </a:r>
           </a:p>
           <a:p>
@@ -12341,7 +12562,7 @@
             </a:pPr>
             <a:r>
               <a:rPr lang="en-US" dirty="0"/>
-              <a:t>Internal Shopping Cart</a:t>
+              <a:t>Sidebar: Category Filter</a:t>
             </a:r>
           </a:p>
           <a:p>
@@ -12352,18 +12573,7 @@
             </a:pPr>
             <a:r>
               <a:rPr lang="en-US" dirty="0"/>
-              <a:t>Stripe API checkout</a:t>
-            </a:r>
-          </a:p>
-          <a:p>
-            <a:pPr marL="742950" lvl="1" indent="-285750">
-              <a:buSzPct val="75000"/>
-              <a:buFont typeface="Wingdings" panose="05000000000000000000" pitchFamily="2" charset="2"/>
-              <a:buChar char="q"/>
-            </a:pPr>
-            <a:r>
-              <a:rPr lang="en-US" dirty="0"/>
-              <a:t>Overall UI</a:t>
+              <a:t>Internal Shopping Cart</a:t>
             </a:r>
           </a:p>
         </p:txBody>
@@ -13450,7 +13660,7 @@
         <p:spPr>
           <a:xfrm>
             <a:off x="412124" y="2720100"/>
-            <a:ext cx="3026535" cy="2862322"/>
+            <a:ext cx="3026535" cy="1754326"/>
           </a:xfrm>
           <a:prstGeom prst="rect">
             <a:avLst/>
@@ -13479,12 +13689,8 @@
               <a:buChar char="q"/>
             </a:pPr>
             <a:r>
-              <a:rPr lang="en-US" dirty="0">
-                <a:highlight>
-                  <a:srgbClr val="FFFF00"/>
-                </a:highlight>
-              </a:rPr>
-              <a:t>University of Florida</a:t>
+              <a:rPr lang="en-US" dirty="0"/>
+              <a:t>Getting Images in and out of the SQL database</a:t>
             </a:r>
           </a:p>
           <a:p>
@@ -13494,40 +13700,18 @@
               <a:buChar char="q"/>
             </a:pPr>
             <a:r>
-              <a:rPr lang="en-US" dirty="0">
-                <a:highlight>
-                  <a:srgbClr val="FFFF00"/>
-                </a:highlight>
-              </a:rPr>
-              <a:t>B.S.E.E.</a:t>
-            </a:r>
-          </a:p>
-          <a:p>
-            <a:pPr marL="742950" lvl="1" indent="-285750">
-              <a:buSzPct val="75000"/>
-              <a:buFont typeface="Wingdings" panose="05000000000000000000" pitchFamily="2" charset="2"/>
-              <a:buChar char="q"/>
-            </a:pPr>
+              <a:rPr lang="en-US" dirty="0"/>
+              <a:t>Used brute force method of </a:t>
+            </a:r>
+            <a:r>
+              <a:rPr lang="en-US" dirty="0" err="1"/>
+              <a:t>dataUrl</a:t>
+            </a:r>
             <a:endParaRPr lang="en-US" dirty="0">
               <a:highlight>
                 <a:srgbClr val="FFFF00"/>
               </a:highlight>
             </a:endParaRPr>
-          </a:p>
-          <a:p>
-            <a:pPr marL="742950" lvl="1" indent="-285750">
-              <a:buSzPct val="75000"/>
-              <a:buFont typeface="Wingdings" panose="05000000000000000000" pitchFamily="2" charset="2"/>
-              <a:buChar char="q"/>
-            </a:pPr>
-            <a:r>
-              <a:rPr lang="en-US" dirty="0">
-                <a:highlight>
-                  <a:srgbClr val="FFFF00"/>
-                </a:highlight>
-              </a:rPr>
-              <a:t>Originally interested in software engineering, when I relocated to Atlanta, I decided to restart my career.</a:t>
-            </a:r>
           </a:p>
         </p:txBody>
       </p:sp>
@@ -13546,7 +13730,7 @@
         <p:spPr>
           <a:xfrm>
             <a:off x="4568487" y="2720100"/>
-            <a:ext cx="3026535" cy="2862322"/>
+            <a:ext cx="3026535" cy="2031325"/>
           </a:xfrm>
           <a:prstGeom prst="rect">
             <a:avLst/>
@@ -13575,12 +13759,8 @@
               <a:buChar char="q"/>
             </a:pPr>
             <a:r>
-              <a:rPr lang="en-US" dirty="0">
-                <a:highlight>
-                  <a:srgbClr val="FFFF00"/>
-                </a:highlight>
-              </a:rPr>
-              <a:t>University of Florida</a:t>
+              <a:rPr lang="en-US" dirty="0"/>
+              <a:t>Extend User Profile to Include Security</a:t>
             </a:r>
           </a:p>
           <a:p>
@@ -13590,12 +13770,8 @@
               <a:buChar char="q"/>
             </a:pPr>
             <a:r>
-              <a:rPr lang="en-US" dirty="0">
-                <a:highlight>
-                  <a:srgbClr val="FFFF00"/>
-                </a:highlight>
-              </a:rPr>
-              <a:t>B.S.E.E.</a:t>
+              <a:rPr lang="en-US" dirty="0"/>
+              <a:t>Authenticating Profile Use/View</a:t>
             </a:r>
           </a:p>
           <a:p>
@@ -13604,25 +13780,9 @@
               <a:buFont typeface="Wingdings" panose="05000000000000000000" pitchFamily="2" charset="2"/>
               <a:buChar char="q"/>
             </a:pPr>
-            <a:endParaRPr lang="en-US" dirty="0">
-              <a:highlight>
-                <a:srgbClr val="FFFF00"/>
-              </a:highlight>
-            </a:endParaRPr>
-          </a:p>
-          <a:p>
-            <a:pPr marL="742950" lvl="1" indent="-285750">
-              <a:buSzPct val="75000"/>
-              <a:buFont typeface="Wingdings" panose="05000000000000000000" pitchFamily="2" charset="2"/>
-              <a:buChar char="q"/>
-            </a:pPr>
-            <a:r>
-              <a:rPr lang="en-US" dirty="0">
-                <a:highlight>
-                  <a:srgbClr val="FFFF00"/>
-                </a:highlight>
-              </a:rPr>
-              <a:t>Originally interested in software engineering, when I relocated to Atlanta, I decided to restart my career.</a:t>
+            <a:r>
+              <a:rPr lang="en-US" dirty="0"/>
+              <a:t>Working with CRUD password encryption</a:t>
             </a:r>
           </a:p>
         </p:txBody>
@@ -13672,7 +13832,7 @@
             </a:pPr>
             <a:r>
               <a:rPr lang="en-US" dirty="0"/>
-              <a:t>Navbar, Sidebar &amp; Foot co-existing</a:t>
+              <a:t>Navbar, Sidebar &amp; Footer co-existing</a:t>
             </a:r>
           </a:p>
           <a:p>
@@ -13683,7 +13843,7 @@
             </a:pPr>
             <a:r>
               <a:rPr lang="en-US" dirty="0"/>
-              <a:t>Stripe API and Shopping Cart connection</a:t>
+              <a:t>Consistency in rendering Main Content</a:t>
             </a:r>
           </a:p>
           <a:p>
@@ -13694,13 +13854,8 @@
             </a:pPr>
             <a:r>
               <a:rPr lang="en-US" dirty="0"/>
-              <a:t>Consistency in rendering </a:t>
-            </a:r>
-            <a:r>
-              <a:rPr lang="en-US" dirty="0" err="1"/>
-              <a:t>MainContent</a:t>
-            </a:r>
-            <a:endParaRPr lang="en-US" dirty="0"/>
+              <a:t>Stripe API and Shopping Cart connection</a:t>
+            </a:r>
           </a:p>
         </p:txBody>
       </p:sp>
